--- a/ECA-RCCP-WorshopApr2016.pptx
+++ b/ECA-RCCP-WorshopApr2016.pptx
@@ -246,7 +246,7 @@
           <a:p>
             <a:fld id="{6E04E453-D430-B44E-9EFF-220B3399F38E}" type="datetimeFigureOut">
               <a:rPr lang="en-US" smtClean="0"/>
-              <a:t>4/23/16</a:t>
+              <a:t>4/25/16</a:t>
             </a:fld>
             <a:endParaRPr lang="en-US"/>
           </a:p>
@@ -952,7 +952,7 @@
           <a:p>
             <a:fld id="{2DBD2FC0-26C0-8B45-BC00-59DC2F9C0320}" type="datetimeFigureOut">
               <a:rPr lang="en-US" smtClean="0"/>
-              <a:t>4/23/16</a:t>
+              <a:t>4/25/16</a:t>
             </a:fld>
             <a:endParaRPr lang="en-US"/>
           </a:p>
@@ -1238,7 +1238,7 @@
           <a:p>
             <a:fld id="{2DBD2FC0-26C0-8B45-BC00-59DC2F9C0320}" type="datetimeFigureOut">
               <a:rPr lang="en-US" smtClean="0"/>
-              <a:t>4/23/16</a:t>
+              <a:t>4/25/16</a:t>
             </a:fld>
             <a:endParaRPr lang="en-US"/>
           </a:p>
@@ -1660,7 +1660,7 @@
           <a:p>
             <a:fld id="{2DBD2FC0-26C0-8B45-BC00-59DC2F9C0320}" type="datetimeFigureOut">
               <a:rPr lang="en-US" smtClean="0"/>
-              <a:t>4/23/16</a:t>
+              <a:t>4/25/16</a:t>
             </a:fld>
             <a:endParaRPr lang="en-US"/>
           </a:p>
@@ -2077,7 +2077,7 @@
           <a:p>
             <a:fld id="{2DBD2FC0-26C0-8B45-BC00-59DC2F9C0320}" type="datetimeFigureOut">
               <a:rPr lang="en-US" smtClean="0"/>
-              <a:t>4/23/16</a:t>
+              <a:t>4/25/16</a:t>
             </a:fld>
             <a:endParaRPr lang="en-US"/>
           </a:p>
@@ -2210,7 +2210,7 @@
           <a:p>
             <a:fld id="{2DBD2FC0-26C0-8B45-BC00-59DC2F9C0320}" type="datetimeFigureOut">
               <a:rPr lang="en-US" smtClean="0"/>
-              <a:t>4/23/16</a:t>
+              <a:t>4/25/16</a:t>
             </a:fld>
             <a:endParaRPr lang="en-US"/>
           </a:p>
@@ -2532,7 +2532,7 @@
           <a:p>
             <a:fld id="{2DBD2FC0-26C0-8B45-BC00-59DC2F9C0320}" type="datetimeFigureOut">
               <a:rPr lang="en-US" smtClean="0"/>
-              <a:t>4/23/16</a:t>
+              <a:t>4/25/16</a:t>
             </a:fld>
             <a:endParaRPr lang="en-US"/>
           </a:p>
@@ -2776,7 +2776,7 @@
           <a:p>
             <a:fld id="{2DBD2FC0-26C0-8B45-BC00-59DC2F9C0320}" type="datetimeFigureOut">
               <a:rPr lang="en-US" smtClean="0"/>
-              <a:t>4/23/16</a:t>
+              <a:t>4/25/16</a:t>
             </a:fld>
             <a:endParaRPr lang="en-US"/>
           </a:p>
@@ -3114,7 +3114,7 @@
           <a:p>
             <a:fld id="{2DBD2FC0-26C0-8B45-BC00-59DC2F9C0320}" type="datetimeFigureOut">
               <a:rPr lang="en-US" smtClean="0"/>
-              <a:t>4/23/16</a:t>
+              <a:t>4/25/16</a:t>
             </a:fld>
             <a:endParaRPr lang="en-US"/>
           </a:p>
@@ -3414,7 +3414,7 @@
           <a:p>
             <a:fld id="{2DBD2FC0-26C0-8B45-BC00-59DC2F9C0320}" type="datetimeFigureOut">
               <a:rPr lang="en-US" smtClean="0"/>
-              <a:t>4/23/16</a:t>
+              <a:t>4/25/16</a:t>
             </a:fld>
             <a:endParaRPr lang="en-US"/>
           </a:p>
@@ -3821,7 +3821,7 @@
           <a:p>
             <a:fld id="{2DBD2FC0-26C0-8B45-BC00-59DC2F9C0320}" type="datetimeFigureOut">
               <a:rPr lang="en-US" smtClean="0"/>
-              <a:t>4/23/16</a:t>
+              <a:t>4/25/16</a:t>
             </a:fld>
             <a:endParaRPr lang="en-US"/>
           </a:p>
@@ -4043,7 +4043,7 @@
           <a:p>
             <a:fld id="{2DBD2FC0-26C0-8B45-BC00-59DC2F9C0320}" type="datetimeFigureOut">
               <a:rPr lang="en-US" smtClean="0"/>
-              <a:t>4/23/16</a:t>
+              <a:t>4/25/16</a:t>
             </a:fld>
             <a:endParaRPr lang="en-US"/>
           </a:p>
@@ -4260,7 +4260,7 @@
           <a:p>
             <a:fld id="{2DBD2FC0-26C0-8B45-BC00-59DC2F9C0320}" type="datetimeFigureOut">
               <a:rPr lang="en-US" smtClean="0"/>
-              <a:t>4/23/16</a:t>
+              <a:t>4/25/16</a:t>
             </a:fld>
             <a:endParaRPr lang="en-US"/>
           </a:p>
@@ -4565,7 +4565,7 @@
           <a:p>
             <a:fld id="{2DBD2FC0-26C0-8B45-BC00-59DC2F9C0320}" type="datetimeFigureOut">
               <a:rPr lang="en-US" smtClean="0"/>
-              <a:t>4/23/16</a:t>
+              <a:t>4/25/16</a:t>
             </a:fld>
             <a:endParaRPr lang="en-US"/>
           </a:p>
@@ -4892,7 +4892,7 @@
           <a:p>
             <a:fld id="{2DBD2FC0-26C0-8B45-BC00-59DC2F9C0320}" type="datetimeFigureOut">
               <a:rPr lang="en-US" smtClean="0"/>
-              <a:t>4/23/16</a:t>
+              <a:t>4/25/16</a:t>
             </a:fld>
             <a:endParaRPr lang="en-US"/>
           </a:p>
@@ -5227,7 +5227,7 @@
           <a:p>
             <a:fld id="{2DBD2FC0-26C0-8B45-BC00-59DC2F9C0320}" type="datetimeFigureOut">
               <a:rPr lang="en-US" smtClean="0"/>
-              <a:t>4/23/16</a:t>
+              <a:t>4/25/16</a:t>
             </a:fld>
             <a:endParaRPr lang="en-US"/>
           </a:p>
@@ -5850,7 +5850,7 @@
           <a:p>
             <a:fld id="{2DBD2FC0-26C0-8B45-BC00-59DC2F9C0320}" type="datetimeFigureOut">
               <a:rPr lang="en-US" smtClean="0"/>
-              <a:t>4/23/16</a:t>
+              <a:t>4/25/16</a:t>
             </a:fld>
             <a:endParaRPr lang="en-US"/>
           </a:p>
@@ -6337,7 +6337,7 @@
           <a:p>
             <a:fld id="{2DBD2FC0-26C0-8B45-BC00-59DC2F9C0320}" type="datetimeFigureOut">
               <a:rPr lang="en-US" smtClean="0"/>
-              <a:t>4/23/16</a:t>
+              <a:t>4/25/16</a:t>
             </a:fld>
             <a:endParaRPr lang="en-US"/>
           </a:p>
@@ -6585,7 +6585,7 @@
           <a:p>
             <a:fld id="{2DBD2FC0-26C0-8B45-BC00-59DC2F9C0320}" type="datetimeFigureOut">
               <a:rPr lang="en-US" smtClean="0"/>
-              <a:t>4/23/16</a:t>
+              <a:t>4/25/16</a:t>
             </a:fld>
             <a:endParaRPr lang="en-US"/>
           </a:p>
@@ -6881,7 +6881,7 @@
           <a:p>
             <a:fld id="{2DBD2FC0-26C0-8B45-BC00-59DC2F9C0320}" type="datetimeFigureOut">
               <a:rPr lang="en-US" smtClean="0"/>
-              <a:t>4/23/16</a:t>
+              <a:t>4/25/16</a:t>
             </a:fld>
             <a:endParaRPr lang="en-US"/>
           </a:p>
@@ -7488,6 +7488,13 @@
   <p:clrMapOvr>
     <a:masterClrMapping/>
   </p:clrMapOvr>
+  <p:timing>
+    <p:tnLst>
+      <p:par>
+        <p:cTn id="1" dur="indefinite" restart="never" nodeType="tmRoot"/>
+      </p:par>
+    </p:tnLst>
+  </p:timing>
 </p:sld>
 </file>
 
@@ -9075,6 +9082,13 @@
   <p:clrMapOvr>
     <a:masterClrMapping/>
   </p:clrMapOvr>
+  <p:timing>
+    <p:tnLst>
+      <p:par>
+        <p:cTn id="1" dur="indefinite" restart="never" nodeType="tmRoot"/>
+      </p:par>
+    </p:tnLst>
+  </p:timing>
 </p:sld>
 </file>
 
@@ -10859,6 +10873,13 @@
   <p:clrMapOvr>
     <a:masterClrMapping/>
   </p:clrMapOvr>
+  <p:timing>
+    <p:tnLst>
+      <p:par>
+        <p:cTn id="1" dur="indefinite" restart="never" nodeType="tmRoot"/>
+      </p:par>
+    </p:tnLst>
+  </p:timing>
 </p:sld>
 </file>
 
@@ -11986,6 +12007,13 @@
   <p:clrMapOvr>
     <a:masterClrMapping/>
   </p:clrMapOvr>
+  <p:timing>
+    <p:tnLst>
+      <p:par>
+        <p:cTn id="1" dur="indefinite" restart="never" nodeType="tmRoot"/>
+      </p:par>
+    </p:tnLst>
+  </p:timing>
 </p:sld>
 </file>
 
@@ -13451,6 +13479,13 @@
   <p:clrMapOvr>
     <a:masterClrMapping/>
   </p:clrMapOvr>
+  <p:timing>
+    <p:tnLst>
+      <p:par>
+        <p:cTn id="1" dur="indefinite" restart="never" nodeType="tmRoot"/>
+      </p:par>
+    </p:tnLst>
+  </p:timing>
 </p:sld>
 </file>
 
@@ -14630,6 +14665,13 @@
   <p:clrMapOvr>
     <a:masterClrMapping/>
   </p:clrMapOvr>
+  <p:timing>
+    <p:tnLst>
+      <p:par>
+        <p:cTn id="1" dur="indefinite" restart="never" nodeType="tmRoot"/>
+      </p:par>
+    </p:tnLst>
+  </p:timing>
 </p:sld>
 </file>
 
@@ -15717,6 +15759,13 @@
   <p:clrMapOvr>
     <a:masterClrMapping/>
   </p:clrMapOvr>
+  <p:timing>
+    <p:tnLst>
+      <p:par>
+        <p:cTn id="1" dur="indefinite" restart="never" nodeType="tmRoot"/>
+      </p:par>
+    </p:tnLst>
+  </p:timing>
 </p:sld>
 </file>
 
@@ -16780,6 +16829,13 @@
   <p:clrMapOvr>
     <a:masterClrMapping/>
   </p:clrMapOvr>
+  <p:timing>
+    <p:tnLst>
+      <p:par>
+        <p:cTn id="1" dur="indefinite" restart="never" nodeType="tmRoot"/>
+      </p:par>
+    </p:tnLst>
+  </p:timing>
 </p:sld>
 </file>
 
@@ -17854,6 +17910,13 @@
   <p:clrMapOvr>
     <a:masterClrMapping/>
   </p:clrMapOvr>
+  <p:timing>
+    <p:tnLst>
+      <p:par>
+        <p:cTn id="1" dur="indefinite" restart="never" nodeType="tmRoot"/>
+      </p:par>
+    </p:tnLst>
+  </p:timing>
 </p:sld>
 </file>
 
@@ -17934,6 +17997,13 @@
   <p:clrMapOvr>
     <a:masterClrMapping/>
   </p:clrMapOvr>
+  <p:timing>
+    <p:tnLst>
+      <p:par>
+        <p:cTn id="1" dur="indefinite" restart="never" nodeType="tmRoot"/>
+      </p:par>
+    </p:tnLst>
+  </p:timing>
 </p:sld>
 </file>
 
@@ -18072,6 +18142,13 @@
   <p:clrMapOvr>
     <a:masterClrMapping/>
   </p:clrMapOvr>
+  <p:timing>
+    <p:tnLst>
+      <p:par>
+        <p:cTn id="1" dur="indefinite" restart="never" nodeType="tmRoot"/>
+      </p:par>
+    </p:tnLst>
+  </p:timing>
 </p:sld>
 </file>
 
@@ -18125,15 +18202,25 @@
             <p:ph idx="1"/>
           </p:nvPr>
         </p:nvSpPr>
-        <p:spPr/>
+        <p:spPr>
+          <a:xfrm>
+            <a:off x="554180" y="2403763"/>
+            <a:ext cx="6508377" cy="3916363"/>
+          </a:xfrm>
+        </p:spPr>
         <p:txBody>
           <a:bodyPr/>
           <a:lstStyle/>
           <a:p>
             <a:r>
               <a:rPr lang="en-US" dirty="0" smtClean="0"/>
-              <a:t>Alejandro Solis</a:t>
-            </a:r>
+              <a:t>Alejandro </a:t>
+            </a:r>
+            <a:r>
+              <a:rPr lang="en-US" dirty="0" smtClean="0"/>
+              <a:t>Solis (DAI)</a:t>
+            </a:r>
+            <a:endParaRPr lang="en-US" dirty="0" smtClean="0"/>
           </a:p>
           <a:p>
             <a:r>
@@ -18156,8 +18243,23 @@
           <a:p>
             <a:r>
               <a:rPr lang="en-US" dirty="0" smtClean="0"/>
-              <a:t>Francisco Delgado</a:t>
-            </a:r>
+              <a:t>Francisco </a:t>
+            </a:r>
+            <a:r>
+              <a:rPr lang="en-US" dirty="0" smtClean="0"/>
+              <a:t>Delgado (SERVIR-USRA)</a:t>
+            </a:r>
+          </a:p>
+          <a:p>
+            <a:r>
+              <a:rPr lang="en-US" dirty="0" err="1" smtClean="0"/>
+              <a:t>Deisy</a:t>
+            </a:r>
+            <a:r>
+              <a:rPr lang="en-US" dirty="0" smtClean="0"/>
+              <a:t> Lopez-Ramos (CATIE)</a:t>
+            </a:r>
+            <a:endParaRPr lang="en-US" dirty="0" smtClean="0"/>
           </a:p>
           <a:p>
             <a:endParaRPr lang="en-US" dirty="0"/>
@@ -18174,6 +18276,13 @@
   <p:clrMapOvr>
     <a:masterClrMapping/>
   </p:clrMapOvr>
+  <p:timing>
+    <p:tnLst>
+      <p:par>
+        <p:cTn id="1" dur="indefinite" restart="never" nodeType="tmRoot"/>
+      </p:par>
+    </p:tnLst>
+  </p:timing>
 </p:sld>
 </file>
 
@@ -18480,6 +18589,13 @@
   <p:clrMapOvr>
     <a:masterClrMapping/>
   </p:clrMapOvr>
+  <p:timing>
+    <p:tnLst>
+      <p:par>
+        <p:cTn id="1" dur="indefinite" restart="never" nodeType="tmRoot"/>
+      </p:par>
+    </p:tnLst>
+  </p:timing>
 </p:sld>
 </file>
 
@@ -18601,7 +18717,15 @@
             </a:r>
             <a:r>
               <a:rPr lang="en-US" dirty="0" smtClean="0"/>
-              <a:t> --region d02 --date 2016-04-15 --v</a:t>
+              <a:t> --region d02 --date 2016-04-15 </a:t>
+            </a:r>
+            <a:r>
+              <a:rPr lang="en-US" dirty="0" smtClean="0"/>
+              <a:t>-</a:t>
+            </a:r>
+            <a:r>
+              <a:rPr lang="en-US" dirty="0" smtClean="0"/>
+              <a:t>v</a:t>
             </a:r>
           </a:p>
           <a:p>
@@ -18623,7 +18747,11 @@
             </a:r>
             <a:r>
               <a:rPr lang="en-US" dirty="0" smtClean="0"/>
-              <a:t>--v</a:t>
+              <a:t>-</a:t>
+            </a:r>
+            <a:r>
+              <a:rPr lang="en-US" dirty="0" smtClean="0"/>
+              <a:t>v</a:t>
             </a:r>
             <a:endParaRPr lang="en-US" dirty="0"/>
           </a:p>
@@ -18650,7 +18778,15 @@
             </a:r>
             <a:r>
               <a:rPr lang="en-US" dirty="0" smtClean="0"/>
-              <a:t>--date 2016-04-15 --v</a:t>
+              <a:t>--date 2016-04-15 </a:t>
+            </a:r>
+            <a:r>
+              <a:rPr lang="en-US" dirty="0" smtClean="0"/>
+              <a:t>-</a:t>
+            </a:r>
+            <a:r>
+              <a:rPr lang="en-US" dirty="0" smtClean="0"/>
+              <a:t>v</a:t>
             </a:r>
           </a:p>
           <a:p>
@@ -18672,7 +18808,15 @@
             </a:r>
             <a:r>
               <a:rPr lang="en-US" dirty="0" smtClean="0"/>
-              <a:t>2016-04-15 --v</a:t>
+              <a:t>2016-04-15 </a:t>
+            </a:r>
+            <a:r>
+              <a:rPr lang="en-US" dirty="0" smtClean="0"/>
+              <a:t>-</a:t>
+            </a:r>
+            <a:r>
+              <a:rPr lang="en-US" dirty="0" smtClean="0"/>
+              <a:t>v</a:t>
             </a:r>
           </a:p>
           <a:p>
@@ -18701,9 +18845,14 @@
               <a:t>d02 --date 2016-04-15 </a:t>
             </a:r>
             <a:r>
+              <a:rPr lang="en-US" dirty="0"/>
+              <a:t>-</a:t>
+            </a:r>
+            <a:r>
               <a:rPr lang="en-US" dirty="0" smtClean="0"/>
-              <a:t>–v</a:t>
-            </a:r>
+              <a:t>v</a:t>
+            </a:r>
+            <a:endParaRPr lang="en-US" dirty="0" smtClean="0"/>
           </a:p>
           <a:p>
             <a:r>
@@ -18724,11 +18873,19 @@
             </a:r>
             <a:r>
               <a:rPr lang="en-US" dirty="0" smtClean="0"/>
-              <a:t> -</a:t>
+              <a:t> </a:t>
+            </a:r>
+            <a:r>
+              <a:rPr lang="en-US" dirty="0" smtClean="0"/>
+              <a:t>--region </a:t>
             </a:r>
             <a:r>
               <a:rPr lang="en-US" dirty="0"/>
-              <a:t>region d02 --date 2016-04-15 --</a:t>
+              <a:t>d02 --date 2016-04-15 </a:t>
+            </a:r>
+            <a:r>
+              <a:rPr lang="en-US" dirty="0" smtClean="0"/>
+              <a:t>-</a:t>
             </a:r>
             <a:r>
               <a:rPr lang="en-US" dirty="0" smtClean="0"/>
@@ -18766,6 +18923,13 @@
   <p:clrMapOvr>
     <a:masterClrMapping/>
   </p:clrMapOvr>
+  <p:timing>
+    <p:tnLst>
+      <p:par>
+        <p:cTn id="1" dur="indefinite" restart="never" nodeType="tmRoot"/>
+      </p:par>
+    </p:tnLst>
+  </p:timing>
 </p:sld>
 </file>
 
@@ -19443,6 +19607,13 @@
   <p:clrMapOvr>
     <a:masterClrMapping/>
   </p:clrMapOvr>
+  <p:timing>
+    <p:tnLst>
+      <p:par>
+        <p:cTn id="1" dur="indefinite" restart="never" nodeType="tmRoot"/>
+      </p:par>
+    </p:tnLst>
+  </p:timing>
 </p:sld>
 </file>
 
@@ -19523,6 +19694,13 @@
   <p:clrMapOvr>
     <a:masterClrMapping/>
   </p:clrMapOvr>
+  <p:timing>
+    <p:tnLst>
+      <p:par>
+        <p:cTn id="1" dur="indefinite" restart="never" nodeType="tmRoot"/>
+      </p:par>
+    </p:tnLst>
+  </p:timing>
 </p:sld>
 </file>
 
@@ -19817,6 +19995,13 @@
   <p:clrMapOvr>
     <a:masterClrMapping/>
   </p:clrMapOvr>
+  <p:timing>
+    <p:tnLst>
+      <p:par>
+        <p:cTn id="1" dur="indefinite" restart="never" nodeType="tmRoot"/>
+      </p:par>
+    </p:tnLst>
+  </p:timing>
 </p:sld>
 </file>
 
@@ -19967,6 +20152,13 @@
   <p:clrMapOvr>
     <a:masterClrMapping/>
   </p:clrMapOvr>
+  <p:timing>
+    <p:tnLst>
+      <p:par>
+        <p:cTn id="1" dur="indefinite" restart="never" nodeType="tmRoot"/>
+      </p:par>
+    </p:tnLst>
+  </p:timing>
 </p:sld>
 </file>
 
@@ -20047,6 +20239,13 @@
   <p:clrMapOvr>
     <a:masterClrMapping/>
   </p:clrMapOvr>
+  <p:timing>
+    <p:tnLst>
+      <p:par>
+        <p:cTn id="1" dur="indefinite" restart="never" nodeType="tmRoot"/>
+      </p:par>
+    </p:tnLst>
+  </p:timing>
 </p:sld>
 </file>
 
@@ -20197,6 +20396,13 @@
   <p:clrMapOvr>
     <a:masterClrMapping/>
   </p:clrMapOvr>
+  <p:timing>
+    <p:tnLst>
+      <p:par>
+        <p:cTn id="1" dur="indefinite" restart="never" nodeType="tmRoot"/>
+      </p:par>
+    </p:tnLst>
+  </p:timing>
 </p:sld>
 </file>
 
@@ -20277,6 +20483,13 @@
   <p:clrMapOvr>
     <a:masterClrMapping/>
   </p:clrMapOvr>
+  <p:timing>
+    <p:tnLst>
+      <p:par>
+        <p:cTn id="1" dur="indefinite" restart="never" nodeType="tmRoot"/>
+      </p:par>
+    </p:tnLst>
+  </p:timing>
 </p:sld>
 </file>
 
@@ -20432,6 +20645,13 @@
   <p:clrMapOvr>
     <a:masterClrMapping/>
   </p:clrMapOvr>
+  <p:timing>
+    <p:tnLst>
+      <p:par>
+        <p:cTn id="1" dur="indefinite" restart="never" nodeType="tmRoot"/>
+      </p:par>
+    </p:tnLst>
+  </p:timing>
 </p:sld>
 </file>
 
@@ -20658,6 +20878,13 @@
   <p:clrMapOvr>
     <a:masterClrMapping/>
   </p:clrMapOvr>
+  <p:timing>
+    <p:tnLst>
+      <p:par>
+        <p:cTn id="1" dur="indefinite" restart="never" nodeType="tmRoot"/>
+      </p:par>
+    </p:tnLst>
+  </p:timing>
 </p:sld>
 </file>
 
@@ -20739,6 +20966,13 @@
   <p:clrMapOvr>
     <a:masterClrMapping/>
   </p:clrMapOvr>
+  <p:timing>
+    <p:tnLst>
+      <p:par>
+        <p:cTn id="1" dur="indefinite" restart="never" nodeType="tmRoot"/>
+      </p:par>
+    </p:tnLst>
+  </p:timing>
 </p:sld>
 </file>
 
@@ -21952,6 +22186,13 @@
   <p:clrMapOvr>
     <a:masterClrMapping/>
   </p:clrMapOvr>
+  <p:timing>
+    <p:tnLst>
+      <p:par>
+        <p:cTn id="1" dur="indefinite" restart="never" nodeType="tmRoot"/>
+      </p:par>
+    </p:tnLst>
+  </p:timing>
 </p:sld>
 </file>
 
@@ -22741,6 +22982,13 @@
   <p:clrMapOvr>
     <a:masterClrMapping/>
   </p:clrMapOvr>
+  <p:timing>
+    <p:tnLst>
+      <p:par>
+        <p:cTn id="1" dur="indefinite" restart="never" nodeType="tmRoot"/>
+      </p:par>
+    </p:tnLst>
+  </p:timing>
 </p:sld>
 </file>
 
@@ -22860,6 +23108,13 @@
   <p:clrMapOvr>
     <a:masterClrMapping/>
   </p:clrMapOvr>
+  <p:timing>
+    <p:tnLst>
+      <p:par>
+        <p:cTn id="1" dur="indefinite" restart="never" nodeType="tmRoot"/>
+      </p:par>
+    </p:tnLst>
+  </p:timing>
 </p:sld>
 </file>
 
@@ -23928,6 +24183,13 @@
   <p:clrMapOvr>
     <a:masterClrMapping/>
   </p:clrMapOvr>
+  <p:timing>
+    <p:tnLst>
+      <p:par>
+        <p:cTn id="1" dur="indefinite" restart="never" nodeType="tmRoot"/>
+      </p:par>
+    </p:tnLst>
+  </p:timing>
 </p:sld>
 </file>
 
@@ -24150,6 +24412,13 @@
   <p:clrMapOvr>
     <a:masterClrMapping/>
   </p:clrMapOvr>
+  <p:timing>
+    <p:tnLst>
+      <p:par>
+        <p:cTn id="1" dur="indefinite" restart="never" nodeType="tmRoot"/>
+      </p:par>
+    </p:tnLst>
+  </p:timing>
 </p:sld>
 </file>
 
@@ -24226,6 +24495,13 @@
   <p:clrMapOvr>
     <a:masterClrMapping/>
   </p:clrMapOvr>
+  <p:timing>
+    <p:tnLst>
+      <p:par>
+        <p:cTn id="1" dur="indefinite" restart="never" nodeType="tmRoot"/>
+      </p:par>
+    </p:tnLst>
+  </p:timing>
 </p:sld>
 </file>
 

--- a/ECA-RCCP-WorshopApr2016.pptx
+++ b/ECA-RCCP-WorshopApr2016.pptx
@@ -246,7 +246,7 @@
           <a:p>
             <a:fld id="{6E04E453-D430-B44E-9EFF-220B3399F38E}" type="datetimeFigureOut">
               <a:rPr lang="en-US" smtClean="0"/>
-              <a:t>4/25/16</a:t>
+              <a:t>4/26/16</a:t>
             </a:fld>
             <a:endParaRPr lang="en-US"/>
           </a:p>
@@ -952,7 +952,7 @@
           <a:p>
             <a:fld id="{2DBD2FC0-26C0-8B45-BC00-59DC2F9C0320}" type="datetimeFigureOut">
               <a:rPr lang="en-US" smtClean="0"/>
-              <a:t>4/25/16</a:t>
+              <a:t>4/26/16</a:t>
             </a:fld>
             <a:endParaRPr lang="en-US"/>
           </a:p>
@@ -1238,7 +1238,7 @@
           <a:p>
             <a:fld id="{2DBD2FC0-26C0-8B45-BC00-59DC2F9C0320}" type="datetimeFigureOut">
               <a:rPr lang="en-US" smtClean="0"/>
-              <a:t>4/25/16</a:t>
+              <a:t>4/26/16</a:t>
             </a:fld>
             <a:endParaRPr lang="en-US"/>
           </a:p>
@@ -1660,7 +1660,7 @@
           <a:p>
             <a:fld id="{2DBD2FC0-26C0-8B45-BC00-59DC2F9C0320}" type="datetimeFigureOut">
               <a:rPr lang="en-US" smtClean="0"/>
-              <a:t>4/25/16</a:t>
+              <a:t>4/26/16</a:t>
             </a:fld>
             <a:endParaRPr lang="en-US"/>
           </a:p>
@@ -2077,7 +2077,7 @@
           <a:p>
             <a:fld id="{2DBD2FC0-26C0-8B45-BC00-59DC2F9C0320}" type="datetimeFigureOut">
               <a:rPr lang="en-US" smtClean="0"/>
-              <a:t>4/25/16</a:t>
+              <a:t>4/26/16</a:t>
             </a:fld>
             <a:endParaRPr lang="en-US"/>
           </a:p>
@@ -2210,7 +2210,7 @@
           <a:p>
             <a:fld id="{2DBD2FC0-26C0-8B45-BC00-59DC2F9C0320}" type="datetimeFigureOut">
               <a:rPr lang="en-US" smtClean="0"/>
-              <a:t>4/25/16</a:t>
+              <a:t>4/26/16</a:t>
             </a:fld>
             <a:endParaRPr lang="en-US"/>
           </a:p>
@@ -2532,7 +2532,7 @@
           <a:p>
             <a:fld id="{2DBD2FC0-26C0-8B45-BC00-59DC2F9C0320}" type="datetimeFigureOut">
               <a:rPr lang="en-US" smtClean="0"/>
-              <a:t>4/25/16</a:t>
+              <a:t>4/26/16</a:t>
             </a:fld>
             <a:endParaRPr lang="en-US"/>
           </a:p>
@@ -2776,7 +2776,7 @@
           <a:p>
             <a:fld id="{2DBD2FC0-26C0-8B45-BC00-59DC2F9C0320}" type="datetimeFigureOut">
               <a:rPr lang="en-US" smtClean="0"/>
-              <a:t>4/25/16</a:t>
+              <a:t>4/26/16</a:t>
             </a:fld>
             <a:endParaRPr lang="en-US"/>
           </a:p>
@@ -3114,7 +3114,7 @@
           <a:p>
             <a:fld id="{2DBD2FC0-26C0-8B45-BC00-59DC2F9C0320}" type="datetimeFigureOut">
               <a:rPr lang="en-US" smtClean="0"/>
-              <a:t>4/25/16</a:t>
+              <a:t>4/26/16</a:t>
             </a:fld>
             <a:endParaRPr lang="en-US"/>
           </a:p>
@@ -3414,7 +3414,7 @@
           <a:p>
             <a:fld id="{2DBD2FC0-26C0-8B45-BC00-59DC2F9C0320}" type="datetimeFigureOut">
               <a:rPr lang="en-US" smtClean="0"/>
-              <a:t>4/25/16</a:t>
+              <a:t>4/26/16</a:t>
             </a:fld>
             <a:endParaRPr lang="en-US"/>
           </a:p>
@@ -3821,7 +3821,7 @@
           <a:p>
             <a:fld id="{2DBD2FC0-26C0-8B45-BC00-59DC2F9C0320}" type="datetimeFigureOut">
               <a:rPr lang="en-US" smtClean="0"/>
-              <a:t>4/25/16</a:t>
+              <a:t>4/26/16</a:t>
             </a:fld>
             <a:endParaRPr lang="en-US"/>
           </a:p>
@@ -4043,7 +4043,7 @@
           <a:p>
             <a:fld id="{2DBD2FC0-26C0-8B45-BC00-59DC2F9C0320}" type="datetimeFigureOut">
               <a:rPr lang="en-US" smtClean="0"/>
-              <a:t>4/25/16</a:t>
+              <a:t>4/26/16</a:t>
             </a:fld>
             <a:endParaRPr lang="en-US"/>
           </a:p>
@@ -4260,7 +4260,7 @@
           <a:p>
             <a:fld id="{2DBD2FC0-26C0-8B45-BC00-59DC2F9C0320}" type="datetimeFigureOut">
               <a:rPr lang="en-US" smtClean="0"/>
-              <a:t>4/25/16</a:t>
+              <a:t>4/26/16</a:t>
             </a:fld>
             <a:endParaRPr lang="en-US"/>
           </a:p>
@@ -4565,7 +4565,7 @@
           <a:p>
             <a:fld id="{2DBD2FC0-26C0-8B45-BC00-59DC2F9C0320}" type="datetimeFigureOut">
               <a:rPr lang="en-US" smtClean="0"/>
-              <a:t>4/25/16</a:t>
+              <a:t>4/26/16</a:t>
             </a:fld>
             <a:endParaRPr lang="en-US"/>
           </a:p>
@@ -4892,7 +4892,7 @@
           <a:p>
             <a:fld id="{2DBD2FC0-26C0-8B45-BC00-59DC2F9C0320}" type="datetimeFigureOut">
               <a:rPr lang="en-US" smtClean="0"/>
-              <a:t>4/25/16</a:t>
+              <a:t>4/26/16</a:t>
             </a:fld>
             <a:endParaRPr lang="en-US"/>
           </a:p>
@@ -5227,7 +5227,7 @@
           <a:p>
             <a:fld id="{2DBD2FC0-26C0-8B45-BC00-59DC2F9C0320}" type="datetimeFigureOut">
               <a:rPr lang="en-US" smtClean="0"/>
-              <a:t>4/25/16</a:t>
+              <a:t>4/26/16</a:t>
             </a:fld>
             <a:endParaRPr lang="en-US"/>
           </a:p>
@@ -5850,7 +5850,7 @@
           <a:p>
             <a:fld id="{2DBD2FC0-26C0-8B45-BC00-59DC2F9C0320}" type="datetimeFigureOut">
               <a:rPr lang="en-US" smtClean="0"/>
-              <a:t>4/25/16</a:t>
+              <a:t>4/26/16</a:t>
             </a:fld>
             <a:endParaRPr lang="en-US"/>
           </a:p>
@@ -6337,7 +6337,7 @@
           <a:p>
             <a:fld id="{2DBD2FC0-26C0-8B45-BC00-59DC2F9C0320}" type="datetimeFigureOut">
               <a:rPr lang="en-US" smtClean="0"/>
-              <a:t>4/25/16</a:t>
+              <a:t>4/26/16</a:t>
             </a:fld>
             <a:endParaRPr lang="en-US"/>
           </a:p>
@@ -6585,7 +6585,7 @@
           <a:p>
             <a:fld id="{2DBD2FC0-26C0-8B45-BC00-59DC2F9C0320}" type="datetimeFigureOut">
               <a:rPr lang="en-US" smtClean="0"/>
-              <a:t>4/25/16</a:t>
+              <a:t>4/26/16</a:t>
             </a:fld>
             <a:endParaRPr lang="en-US"/>
           </a:p>
@@ -6881,7 +6881,7 @@
           <a:p>
             <a:fld id="{2DBD2FC0-26C0-8B45-BC00-59DC2F9C0320}" type="datetimeFigureOut">
               <a:rPr lang="en-US" smtClean="0"/>
-              <a:t>4/25/16</a:t>
+              <a:t>4/26/16</a:t>
             </a:fld>
             <a:endParaRPr lang="en-US"/>
           </a:p>
@@ -18214,40 +18214,61 @@
           <a:p>
             <a:r>
               <a:rPr lang="en-US" dirty="0" smtClean="0"/>
-              <a:t>Alejandro </a:t>
-            </a:r>
+              <a:t>Alejandro Solis (DAI)</a:t>
+            </a:r>
+          </a:p>
+          <a:p>
             <a:r>
               <a:rPr lang="en-US" dirty="0" smtClean="0"/>
-              <a:t>Solis (DAI)</a:t>
+              <a:t>Augusto </a:t>
+            </a:r>
+            <a:r>
+              <a:rPr lang="en-US" dirty="0" smtClean="0"/>
+              <a:t>Valerio (DAI)</a:t>
             </a:r>
             <a:endParaRPr lang="en-US" dirty="0" smtClean="0"/>
           </a:p>
           <a:p>
             <a:r>
               <a:rPr lang="en-US" dirty="0" smtClean="0"/>
-              <a:t>Augusto Valerio</a:t>
-            </a:r>
+              <a:t>David </a:t>
+            </a:r>
+            <a:r>
+              <a:rPr lang="en-US" smtClean="0"/>
+              <a:t>Eliseo Martinez (Consultant)</a:t>
+            </a:r>
+            <a:endParaRPr lang="en-US" dirty="0" smtClean="0"/>
           </a:p>
           <a:p>
             <a:r>
               <a:rPr lang="en-US" dirty="0" smtClean="0"/>
-              <a:t>Eliseo Martinez</a:t>
-            </a:r>
-          </a:p>
-          <a:p>
+              <a:t>David </a:t>
+            </a:r>
+            <a:r>
+              <a:rPr lang="en-US" dirty="0" err="1" smtClean="0"/>
+              <a:t>Pichinte</a:t>
+            </a:r>
             <a:r>
               <a:rPr lang="en-US" dirty="0" smtClean="0"/>
-              <a:t>Amides Figueroa</a:t>
-            </a:r>
+              <a:t> (MARN)</a:t>
+            </a:r>
+            <a:endParaRPr lang="en-US" dirty="0" smtClean="0"/>
           </a:p>
           <a:p>
             <a:r>
               <a:rPr lang="en-US" dirty="0" smtClean="0"/>
-              <a:t>Francisco </a:t>
+              <a:t>Amides </a:t>
             </a:r>
             <a:r>
               <a:rPr lang="en-US" dirty="0" smtClean="0"/>
-              <a:t>Delgado (SERVIR-USRA)</a:t>
+              <a:t>Figueroa (consultant)</a:t>
+            </a:r>
+            <a:endParaRPr lang="en-US" dirty="0" smtClean="0"/>
+          </a:p>
+          <a:p>
+            <a:r>
+              <a:rPr lang="en-US" dirty="0" smtClean="0"/>
+              <a:t>Francisco Delgado (SERVIR-USRA)</a:t>
             </a:r>
           </a:p>
           <a:p>
@@ -18259,7 +18280,6 @@
               <a:rPr lang="en-US" dirty="0" smtClean="0"/>
               <a:t> Lopez-Ramos (CATIE)</a:t>
             </a:r>
-            <a:endParaRPr lang="en-US" dirty="0" smtClean="0"/>
           </a:p>
           <a:p>
             <a:endParaRPr lang="en-US" dirty="0"/>
@@ -18717,11 +18737,104 @@
             </a:r>
             <a:r>
               <a:rPr lang="en-US" dirty="0" smtClean="0"/>
-              <a:t> --region d02 --date 2016-04-15 </a:t>
+              <a:t> --region d02 --date 2016-04-15 -v</a:t>
+            </a:r>
+          </a:p>
+          <a:p>
+            <a:r>
+              <a:rPr lang="en-US" dirty="0"/>
+              <a:t>$ python </a:t>
+            </a:r>
+            <a:r>
+              <a:rPr lang="en-US" dirty="0" err="1" smtClean="0"/>
+              <a:t>trmm_process.py</a:t>
             </a:r>
             <a:r>
               <a:rPr lang="en-US" dirty="0" smtClean="0"/>
-              <a:t>-</a:t>
+              <a:t> --region </a:t>
+            </a:r>
+            <a:r>
+              <a:rPr lang="en-US" dirty="0"/>
+              <a:t>d02 --date 2016-04-15 </a:t>
+            </a:r>
+            <a:r>
+              <a:rPr lang="en-US" dirty="0" smtClean="0"/>
+              <a:t>-v</a:t>
+            </a:r>
+            <a:endParaRPr lang="en-US" dirty="0"/>
+          </a:p>
+          <a:p>
+            <a:r>
+              <a:rPr lang="en-US" dirty="0" smtClean="0"/>
+              <a:t>$ </a:t>
+            </a:r>
+            <a:r>
+              <a:rPr lang="en-US" dirty="0"/>
+              <a:t>python </a:t>
+            </a:r>
+            <a:r>
+              <a:rPr lang="en-US" dirty="0" err="1" smtClean="0"/>
+              <a:t>gpm_process.py</a:t>
+            </a:r>
+            <a:r>
+              <a:rPr lang="en-US" dirty="0" smtClean="0"/>
+              <a:t> --</a:t>
+            </a:r>
+            <a:r>
+              <a:rPr lang="en-US" dirty="0"/>
+              <a:t>region d02 </a:t>
+            </a:r>
+            <a:r>
+              <a:rPr lang="en-US" dirty="0" smtClean="0"/>
+              <a:t>--date 2016-04-15 -v</a:t>
+            </a:r>
+          </a:p>
+          <a:p>
+            <a:r>
+              <a:rPr lang="en-US" dirty="0"/>
+              <a:t>$ python </a:t>
+            </a:r>
+            <a:r>
+              <a:rPr lang="en-US" dirty="0" err="1" smtClean="0"/>
+              <a:t>landslide_nowcast.py</a:t>
+            </a:r>
+            <a:r>
+              <a:rPr lang="en-US" dirty="0" smtClean="0"/>
+              <a:t> --region </a:t>
+            </a:r>
+            <a:r>
+              <a:rPr lang="en-US" dirty="0"/>
+              <a:t>d02 --date </a:t>
+            </a:r>
+            <a:r>
+              <a:rPr lang="en-US" dirty="0" smtClean="0"/>
+              <a:t>2016-04-15 -v</a:t>
+            </a:r>
+          </a:p>
+          <a:p>
+            <a:r>
+              <a:rPr lang="en-US" dirty="0"/>
+              <a:t>$ python </a:t>
+            </a:r>
+            <a:r>
+              <a:rPr lang="en-US" dirty="0" err="1" smtClean="0"/>
+              <a:t>modis</a:t>
+            </a:r>
+            <a:r>
+              <a:rPr lang="en-US" dirty="0" smtClean="0"/>
+              <a:t>-active-</a:t>
+            </a:r>
+            <a:r>
+              <a:rPr lang="en-US" dirty="0" err="1" smtClean="0"/>
+              <a:t>fires.py</a:t>
+            </a:r>
+            <a:r>
+              <a:rPr lang="en-US" dirty="0" smtClean="0"/>
+              <a:t> --region </a:t>
+            </a:r>
+            <a:r>
+              <a:rPr lang="en-US" dirty="0"/>
+              <a:t>d02 --date 2016-04-15 -</a:t>
             </a:r>
             <a:r>
               <a:rPr lang="en-US" dirty="0" smtClean="0"/>
@@ -18735,7 +18848,15 @@
             </a:r>
             <a:r>
               <a:rPr lang="en-US" dirty="0" err="1" smtClean="0"/>
-              <a:t>trmm_process.py</a:t>
+              <a:t>viirs</a:t>
+            </a:r>
+            <a:r>
+              <a:rPr lang="en-US" dirty="0" smtClean="0"/>
+              <a:t>-active-</a:t>
+            </a:r>
+            <a:r>
+              <a:rPr lang="en-US" dirty="0" err="1" smtClean="0"/>
+              <a:t>fires.py</a:t>
             </a:r>
             <a:r>
               <a:rPr lang="en-US" dirty="0" smtClean="0"/>
@@ -18747,149 +18868,7 @@
             </a:r>
             <a:r>
               <a:rPr lang="en-US" dirty="0" smtClean="0"/>
-              <a:t>-</a:t>
-            </a:r>
-            <a:r>
-              <a:rPr lang="en-US" dirty="0" smtClean="0"/>
-              <a:t>v</a:t>
-            </a:r>
-            <a:endParaRPr lang="en-US" dirty="0"/>
-          </a:p>
-          <a:p>
-            <a:r>
-              <a:rPr lang="en-US" dirty="0" smtClean="0"/>
-              <a:t>$ </a:t>
-            </a:r>
-            <a:r>
-              <a:rPr lang="en-US" dirty="0"/>
-              <a:t>python </a:t>
-            </a:r>
-            <a:r>
-              <a:rPr lang="en-US" dirty="0" err="1" smtClean="0"/>
-              <a:t>gpm_process.py</a:t>
-            </a:r>
-            <a:r>
-              <a:rPr lang="en-US" dirty="0" smtClean="0"/>
-              <a:t> --</a:t>
-            </a:r>
-            <a:r>
-              <a:rPr lang="en-US" dirty="0"/>
-              <a:t>region d02 </a:t>
-            </a:r>
-            <a:r>
-              <a:rPr lang="en-US" dirty="0" smtClean="0"/>
-              <a:t>--date 2016-04-15 </a:t>
-            </a:r>
-            <a:r>
-              <a:rPr lang="en-US" dirty="0" smtClean="0"/>
-              <a:t>-</a:t>
-            </a:r>
-            <a:r>
-              <a:rPr lang="en-US" dirty="0" smtClean="0"/>
-              <a:t>v</a:t>
-            </a:r>
-          </a:p>
-          <a:p>
-            <a:r>
-              <a:rPr lang="en-US" dirty="0"/>
-              <a:t>$ python </a:t>
-            </a:r>
-            <a:r>
-              <a:rPr lang="en-US" dirty="0" err="1" smtClean="0"/>
-              <a:t>landslide_nowcast.py</a:t>
-            </a:r>
-            <a:r>
-              <a:rPr lang="en-US" dirty="0" smtClean="0"/>
-              <a:t> --region </a:t>
-            </a:r>
-            <a:r>
-              <a:rPr lang="en-US" dirty="0"/>
-              <a:t>d02 --date </a:t>
-            </a:r>
-            <a:r>
-              <a:rPr lang="en-US" dirty="0" smtClean="0"/>
-              <a:t>2016-04-15 </a:t>
-            </a:r>
-            <a:r>
-              <a:rPr lang="en-US" dirty="0" smtClean="0"/>
-              <a:t>-</a:t>
-            </a:r>
-            <a:r>
-              <a:rPr lang="en-US" dirty="0" smtClean="0"/>
-              <a:t>v</a:t>
-            </a:r>
-          </a:p>
-          <a:p>
-            <a:r>
-              <a:rPr lang="en-US" dirty="0"/>
-              <a:t>$ python </a:t>
-            </a:r>
-            <a:r>
-              <a:rPr lang="en-US" dirty="0" err="1" smtClean="0"/>
-              <a:t>modis</a:t>
-            </a:r>
-            <a:r>
-              <a:rPr lang="en-US" dirty="0" smtClean="0"/>
-              <a:t>-active-</a:t>
-            </a:r>
-            <a:r>
-              <a:rPr lang="en-US" dirty="0" err="1" smtClean="0"/>
-              <a:t>fires.py</a:t>
-            </a:r>
-            <a:r>
-              <a:rPr lang="en-US" dirty="0" smtClean="0"/>
-              <a:t> --region </a:t>
-            </a:r>
-            <a:r>
-              <a:rPr lang="en-US" dirty="0"/>
-              <a:t>d02 --date 2016-04-15 </a:t>
-            </a:r>
-            <a:r>
-              <a:rPr lang="en-US" dirty="0"/>
-              <a:t>-</a:t>
-            </a:r>
-            <a:r>
-              <a:rPr lang="en-US" dirty="0" smtClean="0"/>
-              <a:t>v</a:t>
-            </a:r>
-            <a:endParaRPr lang="en-US" dirty="0" smtClean="0"/>
-          </a:p>
-          <a:p>
-            <a:r>
-              <a:rPr lang="en-US" dirty="0"/>
-              <a:t>$ python </a:t>
-            </a:r>
-            <a:r>
-              <a:rPr lang="en-US" dirty="0" err="1" smtClean="0"/>
-              <a:t>viirs</a:t>
-            </a:r>
-            <a:r>
-              <a:rPr lang="en-US" dirty="0" smtClean="0"/>
-              <a:t>-active-</a:t>
-            </a:r>
-            <a:r>
-              <a:rPr lang="en-US" dirty="0" err="1" smtClean="0"/>
-              <a:t>fires.py</a:t>
-            </a:r>
-            <a:r>
-              <a:rPr lang="en-US" dirty="0" smtClean="0"/>
-              <a:t> </a:t>
-            </a:r>
-            <a:r>
-              <a:rPr lang="en-US" dirty="0" smtClean="0"/>
-              <a:t>--region </a:t>
-            </a:r>
-            <a:r>
-              <a:rPr lang="en-US" dirty="0"/>
-              <a:t>d02 --date 2016-04-15 </a:t>
-            </a:r>
-            <a:r>
-              <a:rPr lang="en-US" dirty="0" smtClean="0"/>
-              <a:t>-</a:t>
-            </a:r>
-            <a:r>
-              <a:rPr lang="en-US" dirty="0" smtClean="0"/>
-              <a:t>v</a:t>
+              <a:t>-v</a:t>
             </a:r>
             <a:endParaRPr lang="en-US" dirty="0"/>
           </a:p>

--- a/ECA-RCCP-WorshopApr2016.pptx
+++ b/ECA-RCCP-WorshopApr2016.pptx
@@ -246,7 +246,7 @@
           <a:p>
             <a:fld id="{6E04E453-D430-B44E-9EFF-220B3399F38E}" type="datetimeFigureOut">
               <a:rPr lang="en-US" smtClean="0"/>
-              <a:t>4/26/16</a:t>
+              <a:t>4/27/16</a:t>
             </a:fld>
             <a:endParaRPr lang="en-US"/>
           </a:p>
@@ -952,7 +952,7 @@
           <a:p>
             <a:fld id="{2DBD2FC0-26C0-8B45-BC00-59DC2F9C0320}" type="datetimeFigureOut">
               <a:rPr lang="en-US" smtClean="0"/>
-              <a:t>4/26/16</a:t>
+              <a:t>4/27/16</a:t>
             </a:fld>
             <a:endParaRPr lang="en-US"/>
           </a:p>
@@ -1238,7 +1238,7 @@
           <a:p>
             <a:fld id="{2DBD2FC0-26C0-8B45-BC00-59DC2F9C0320}" type="datetimeFigureOut">
               <a:rPr lang="en-US" smtClean="0"/>
-              <a:t>4/26/16</a:t>
+              <a:t>4/27/16</a:t>
             </a:fld>
             <a:endParaRPr lang="en-US"/>
           </a:p>
@@ -1660,7 +1660,7 @@
           <a:p>
             <a:fld id="{2DBD2FC0-26C0-8B45-BC00-59DC2F9C0320}" type="datetimeFigureOut">
               <a:rPr lang="en-US" smtClean="0"/>
-              <a:t>4/26/16</a:t>
+              <a:t>4/27/16</a:t>
             </a:fld>
             <a:endParaRPr lang="en-US"/>
           </a:p>
@@ -2077,7 +2077,7 @@
           <a:p>
             <a:fld id="{2DBD2FC0-26C0-8B45-BC00-59DC2F9C0320}" type="datetimeFigureOut">
               <a:rPr lang="en-US" smtClean="0"/>
-              <a:t>4/26/16</a:t>
+              <a:t>4/27/16</a:t>
             </a:fld>
             <a:endParaRPr lang="en-US"/>
           </a:p>
@@ -2210,7 +2210,7 @@
           <a:p>
             <a:fld id="{2DBD2FC0-26C0-8B45-BC00-59DC2F9C0320}" type="datetimeFigureOut">
               <a:rPr lang="en-US" smtClean="0"/>
-              <a:t>4/26/16</a:t>
+              <a:t>4/27/16</a:t>
             </a:fld>
             <a:endParaRPr lang="en-US"/>
           </a:p>
@@ -2532,7 +2532,7 @@
           <a:p>
             <a:fld id="{2DBD2FC0-26C0-8B45-BC00-59DC2F9C0320}" type="datetimeFigureOut">
               <a:rPr lang="en-US" smtClean="0"/>
-              <a:t>4/26/16</a:t>
+              <a:t>4/27/16</a:t>
             </a:fld>
             <a:endParaRPr lang="en-US"/>
           </a:p>
@@ -2776,7 +2776,7 @@
           <a:p>
             <a:fld id="{2DBD2FC0-26C0-8B45-BC00-59DC2F9C0320}" type="datetimeFigureOut">
               <a:rPr lang="en-US" smtClean="0"/>
-              <a:t>4/26/16</a:t>
+              <a:t>4/27/16</a:t>
             </a:fld>
             <a:endParaRPr lang="en-US"/>
           </a:p>
@@ -3114,7 +3114,7 @@
           <a:p>
             <a:fld id="{2DBD2FC0-26C0-8B45-BC00-59DC2F9C0320}" type="datetimeFigureOut">
               <a:rPr lang="en-US" smtClean="0"/>
-              <a:t>4/26/16</a:t>
+              <a:t>4/27/16</a:t>
             </a:fld>
             <a:endParaRPr lang="en-US"/>
           </a:p>
@@ -3414,7 +3414,7 @@
           <a:p>
             <a:fld id="{2DBD2FC0-26C0-8B45-BC00-59DC2F9C0320}" type="datetimeFigureOut">
               <a:rPr lang="en-US" smtClean="0"/>
-              <a:t>4/26/16</a:t>
+              <a:t>4/27/16</a:t>
             </a:fld>
             <a:endParaRPr lang="en-US"/>
           </a:p>
@@ -3821,7 +3821,7 @@
           <a:p>
             <a:fld id="{2DBD2FC0-26C0-8B45-BC00-59DC2F9C0320}" type="datetimeFigureOut">
               <a:rPr lang="en-US" smtClean="0"/>
-              <a:t>4/26/16</a:t>
+              <a:t>4/27/16</a:t>
             </a:fld>
             <a:endParaRPr lang="en-US"/>
           </a:p>
@@ -4043,7 +4043,7 @@
           <a:p>
             <a:fld id="{2DBD2FC0-26C0-8B45-BC00-59DC2F9C0320}" type="datetimeFigureOut">
               <a:rPr lang="en-US" smtClean="0"/>
-              <a:t>4/26/16</a:t>
+              <a:t>4/27/16</a:t>
             </a:fld>
             <a:endParaRPr lang="en-US"/>
           </a:p>
@@ -4260,7 +4260,7 @@
           <a:p>
             <a:fld id="{2DBD2FC0-26C0-8B45-BC00-59DC2F9C0320}" type="datetimeFigureOut">
               <a:rPr lang="en-US" smtClean="0"/>
-              <a:t>4/26/16</a:t>
+              <a:t>4/27/16</a:t>
             </a:fld>
             <a:endParaRPr lang="en-US"/>
           </a:p>
@@ -4565,7 +4565,7 @@
           <a:p>
             <a:fld id="{2DBD2FC0-26C0-8B45-BC00-59DC2F9C0320}" type="datetimeFigureOut">
               <a:rPr lang="en-US" smtClean="0"/>
-              <a:t>4/26/16</a:t>
+              <a:t>4/27/16</a:t>
             </a:fld>
             <a:endParaRPr lang="en-US"/>
           </a:p>
@@ -4892,7 +4892,7 @@
           <a:p>
             <a:fld id="{2DBD2FC0-26C0-8B45-BC00-59DC2F9C0320}" type="datetimeFigureOut">
               <a:rPr lang="en-US" smtClean="0"/>
-              <a:t>4/26/16</a:t>
+              <a:t>4/27/16</a:t>
             </a:fld>
             <a:endParaRPr lang="en-US"/>
           </a:p>
@@ -5227,7 +5227,7 @@
           <a:p>
             <a:fld id="{2DBD2FC0-26C0-8B45-BC00-59DC2F9C0320}" type="datetimeFigureOut">
               <a:rPr lang="en-US" smtClean="0"/>
-              <a:t>4/26/16</a:t>
+              <a:t>4/27/16</a:t>
             </a:fld>
             <a:endParaRPr lang="en-US"/>
           </a:p>
@@ -5850,7 +5850,7 @@
           <a:p>
             <a:fld id="{2DBD2FC0-26C0-8B45-BC00-59DC2F9C0320}" type="datetimeFigureOut">
               <a:rPr lang="en-US" smtClean="0"/>
-              <a:t>4/26/16</a:t>
+              <a:t>4/27/16</a:t>
             </a:fld>
             <a:endParaRPr lang="en-US"/>
           </a:p>
@@ -6337,7 +6337,7 @@
           <a:p>
             <a:fld id="{2DBD2FC0-26C0-8B45-BC00-59DC2F9C0320}" type="datetimeFigureOut">
               <a:rPr lang="en-US" smtClean="0"/>
-              <a:t>4/26/16</a:t>
+              <a:t>4/27/16</a:t>
             </a:fld>
             <a:endParaRPr lang="en-US"/>
           </a:p>
@@ -6585,7 +6585,7 @@
           <a:p>
             <a:fld id="{2DBD2FC0-26C0-8B45-BC00-59DC2F9C0320}" type="datetimeFigureOut">
               <a:rPr lang="en-US" smtClean="0"/>
-              <a:t>4/26/16</a:t>
+              <a:t>4/27/16</a:t>
             </a:fld>
             <a:endParaRPr lang="en-US"/>
           </a:p>
@@ -6881,7 +6881,7 @@
           <a:p>
             <a:fld id="{2DBD2FC0-26C0-8B45-BC00-59DC2F9C0320}" type="datetimeFigureOut">
               <a:rPr lang="en-US" smtClean="0"/>
-              <a:t>4/26/16</a:t>
+              <a:t>4/27/16</a:t>
             </a:fld>
             <a:endParaRPr lang="en-US"/>
           </a:p>
@@ -18220,13 +18220,8 @@
           <a:p>
             <a:r>
               <a:rPr lang="en-US" dirty="0" smtClean="0"/>
-              <a:t>Augusto </a:t>
-            </a:r>
-            <a:r>
-              <a:rPr lang="en-US" dirty="0" smtClean="0"/>
-              <a:t>Valerio (DAI)</a:t>
-            </a:r>
-            <a:endParaRPr lang="en-US" dirty="0" smtClean="0"/>
+              <a:t>Augusto Valerio (DAI)</a:t>
+            </a:r>
           </a:p>
           <a:p>
             <a:r>
@@ -18252,18 +18247,12 @@
               <a:rPr lang="en-US" dirty="0" smtClean="0"/>
               <a:t> (MARN)</a:t>
             </a:r>
-            <a:endParaRPr lang="en-US" dirty="0" smtClean="0"/>
           </a:p>
           <a:p>
             <a:r>
               <a:rPr lang="en-US" dirty="0" smtClean="0"/>
-              <a:t>Amides </a:t>
-            </a:r>
-            <a:r>
-              <a:rPr lang="en-US" dirty="0" smtClean="0"/>
-              <a:t>Figueroa (consultant)</a:t>
-            </a:r>
-            <a:endParaRPr lang="en-US" dirty="0" smtClean="0"/>
+              <a:t>Amides Figueroa (consultant)</a:t>
+            </a:r>
           </a:p>
           <a:p>
             <a:r>
@@ -18658,7 +18647,11 @@
           <a:p>
             <a:r>
               <a:rPr lang="en-US" dirty="0" smtClean="0"/>
-              <a:t>Generating Products</a:t>
+              <a:t>Generating </a:t>
+            </a:r>
+            <a:r>
+              <a:rPr lang="en-US" dirty="0" smtClean="0"/>
+              <a:t>10 Products</a:t>
             </a:r>
             <a:endParaRPr lang="en-US" dirty="0"/>
           </a:p>
@@ -18676,13 +18669,13 @@
         </p:nvSpPr>
         <p:spPr>
           <a:xfrm>
-            <a:off x="200417" y="2209800"/>
-            <a:ext cx="8793272" cy="3916363"/>
+            <a:off x="200417" y="1456268"/>
+            <a:ext cx="8793272" cy="5249332"/>
           </a:xfrm>
         </p:spPr>
         <p:txBody>
           <a:bodyPr>
-            <a:normAutofit lnSpcReduction="10000"/>
+            <a:normAutofit fontScale="85000" lnSpcReduction="20000"/>
           </a:bodyPr>
           <a:lstStyle/>
           <a:p>
@@ -18868,8 +18861,114 @@
             </a:r>
             <a:r>
               <a:rPr lang="en-US" dirty="0" smtClean="0"/>
-              <a:t>-v</a:t>
-            </a:r>
+              <a:t>–v</a:t>
+            </a:r>
+          </a:p>
+          <a:p>
+            <a:r>
+              <a:rPr lang="en-US" dirty="0"/>
+              <a:t>$ python </a:t>
+            </a:r>
+            <a:r>
+              <a:rPr lang="en-US" dirty="0" smtClean="0"/>
+              <a:t>geos5.py </a:t>
+            </a:r>
+            <a:r>
+              <a:rPr lang="en-US" dirty="0"/>
+              <a:t>--date 2016-04-15 </a:t>
+            </a:r>
+            <a:r>
+              <a:rPr lang="en-US" dirty="0" smtClean="0"/>
+              <a:t>–v</a:t>
+            </a:r>
+            <a:endParaRPr lang="en-US" dirty="0"/>
+          </a:p>
+          <a:p>
+            <a:r>
+              <a:rPr lang="en-US" dirty="0"/>
+              <a:t>$ python </a:t>
+            </a:r>
+            <a:r>
+              <a:rPr lang="en-US" dirty="0" err="1" smtClean="0"/>
+              <a:t>gfms_vectorizer.py</a:t>
+            </a:r>
+            <a:r>
+              <a:rPr lang="en-US" dirty="0" smtClean="0"/>
+              <a:t> --</a:t>
+            </a:r>
+            <a:r>
+              <a:rPr lang="en-US" dirty="0"/>
+              <a:t>date 2016-04-15 </a:t>
+            </a:r>
+            <a:r>
+              <a:rPr lang="en-US" dirty="0" smtClean="0"/>
+              <a:t>–v</a:t>
+            </a:r>
+          </a:p>
+          <a:p>
+            <a:r>
+              <a:rPr lang="en-US" dirty="0"/>
+              <a:t>$ python </a:t>
+            </a:r>
+            <a:r>
+              <a:rPr lang="en-US" dirty="0" err="1" smtClean="0"/>
+              <a:t>viirs_CHLA</a:t>
+            </a:r>
+            <a:r>
+              <a:rPr lang="en-US" dirty="0" smtClean="0"/>
+              <a:t> –region d02 --</a:t>
+            </a:r>
+            <a:r>
+              <a:rPr lang="en-US" dirty="0"/>
+              <a:t>date 2016-04-15 </a:t>
+            </a:r>
+            <a:r>
+              <a:rPr lang="en-US" dirty="0" smtClean="0"/>
+              <a:t>–v</a:t>
+            </a:r>
+          </a:p>
+          <a:p>
+            <a:r>
+              <a:rPr lang="en-US" dirty="0" smtClean="0"/>
+              <a:t>[custom] $python </a:t>
+            </a:r>
+            <a:r>
+              <a:rPr lang="en-US" dirty="0" err="1" smtClean="0"/>
+              <a:t>forecastio.py</a:t>
+            </a:r>
+            <a:r>
+              <a:rPr lang="en-US" dirty="0" smtClean="0"/>
+              <a:t> –</a:t>
+            </a:r>
+            <a:r>
+              <a:rPr lang="en-US" dirty="0" err="1" smtClean="0"/>
+              <a:t>regiona</a:t>
+            </a:r>
+            <a:r>
+              <a:rPr lang="en-US" dirty="0" smtClean="0"/>
+              <a:t> d02 –date 2016-04-15 -v</a:t>
+            </a:r>
+            <a:endParaRPr lang="en-US" dirty="0"/>
+          </a:p>
+          <a:p>
+            <a:endParaRPr lang="en-US" dirty="0"/>
+          </a:p>
+          <a:p>
+            <a:endParaRPr lang="en-US" dirty="0"/>
+          </a:p>
+          <a:p>
+            <a:endParaRPr lang="en-US" dirty="0"/>
+          </a:p>
+          <a:p>
+            <a:pPr marL="0" indent="0">
+              <a:buNone/>
+            </a:pPr>
+            <a:endParaRPr lang="en-US" dirty="0"/>
+          </a:p>
+          <a:p>
+            <a:endParaRPr lang="en-US" dirty="0"/>
+          </a:p>
+          <a:p>
             <a:endParaRPr lang="en-US" dirty="0"/>
           </a:p>
           <a:p>

--- a/ECA-RCCP-WorshopApr2016.pptx
+++ b/ECA-RCCP-WorshopApr2016.pptx
@@ -246,7 +246,7 @@
           <a:p>
             <a:fld id="{6E04E453-D430-B44E-9EFF-220B3399F38E}" type="datetimeFigureOut">
               <a:rPr lang="en-US" smtClean="0"/>
-              <a:t>4/27/16</a:t>
+              <a:t>4/28/16</a:t>
             </a:fld>
             <a:endParaRPr lang="en-US"/>
           </a:p>
@@ -641,6 +641,238 @@
 </p:notes>
 </file>
 
+<file path=ppt/notesSlides/notesSlide2.xml><?xml version="1.0" encoding="utf-8"?>
+<p:notes xmlns:a="http://schemas.openxmlformats.org/drawingml/2006/main" xmlns:r="http://schemas.openxmlformats.org/officeDocument/2006/relationships" xmlns:p="http://schemas.openxmlformats.org/presentationml/2006/main">
+  <p:cSld>
+    <p:spTree>
+      <p:nvGrpSpPr>
+        <p:cNvPr id="1" name=""/>
+        <p:cNvGrpSpPr/>
+        <p:nvPr/>
+      </p:nvGrpSpPr>
+      <p:grpSpPr>
+        <a:xfrm>
+          <a:off x="0" y="0"/>
+          <a:ext cx="0" cy="0"/>
+          <a:chOff x="0" y="0"/>
+          <a:chExt cx="0" cy="0"/>
+        </a:xfrm>
+      </p:grpSpPr>
+      <p:sp>
+        <p:nvSpPr>
+          <p:cNvPr id="2" name="Slide Image Placeholder 1"/>
+          <p:cNvSpPr>
+            <a:spLocks noGrp="1" noRot="1" noChangeAspect="1"/>
+          </p:cNvSpPr>
+          <p:nvPr>
+            <p:ph type="sldImg"/>
+          </p:nvPr>
+        </p:nvSpPr>
+        <p:spPr/>
+      </p:sp>
+      <p:sp>
+        <p:nvSpPr>
+          <p:cNvPr id="3" name="Notes Placeholder 2"/>
+          <p:cNvSpPr>
+            <a:spLocks noGrp="1"/>
+          </p:cNvSpPr>
+          <p:nvPr>
+            <p:ph type="body" idx="1"/>
+          </p:nvPr>
+        </p:nvSpPr>
+        <p:spPr/>
+        <p:txBody>
+          <a:bodyPr/>
+          <a:lstStyle/>
+          <a:p>
+            <a:r>
+              <a:rPr lang="en-US" dirty="0" smtClean="0"/>
+              <a:t>Needed:</a:t>
+            </a:r>
+          </a:p>
+          <a:p>
+            <a:endParaRPr lang="en-US" dirty="0" smtClean="0"/>
+          </a:p>
+          <a:p>
+            <a:r>
+              <a:rPr lang="en-US" dirty="0" smtClean="0"/>
+              <a:t>Rainfall Accumulation 1-d, 3-d, 7-day, 30mn (IMERG)</a:t>
+            </a:r>
+          </a:p>
+          <a:p>
+            <a:r>
+              <a:rPr lang="en-US" dirty="0" smtClean="0"/>
+              <a:t>Average Temp, Min/Max Temp</a:t>
+            </a:r>
+          </a:p>
+          <a:p>
+            <a:r>
+              <a:rPr lang="en-US" dirty="0" smtClean="0"/>
+              <a:t>Sea</a:t>
+            </a:r>
+            <a:r>
+              <a:rPr lang="en-US" baseline="0" dirty="0" smtClean="0"/>
+              <a:t> Surface Temp (SST), Wind/Bearing</a:t>
+            </a:r>
+          </a:p>
+          <a:p>
+            <a:r>
+              <a:rPr lang="en-US" baseline="0" dirty="0" smtClean="0"/>
+              <a:t>CHL-A (Ocean Water Quality), </a:t>
+            </a:r>
+          </a:p>
+          <a:p>
+            <a:r>
+              <a:rPr lang="en-US" baseline="0" dirty="0" smtClean="0"/>
+              <a:t>Air Quality (Aqua)</a:t>
+            </a:r>
+          </a:p>
+          <a:p>
+            <a:endParaRPr lang="en-US" dirty="0" smtClean="0"/>
+          </a:p>
+          <a:p>
+            <a:r>
+              <a:rPr lang="en-US" dirty="0" smtClean="0"/>
+              <a:t>Forecast:</a:t>
+            </a:r>
+          </a:p>
+          <a:p>
+            <a:r>
+              <a:rPr lang="en-US" dirty="0" smtClean="0"/>
+              <a:t>	Average Temp 1-d, 3-d, 7-d, 1-m, 3-m</a:t>
+            </a:r>
+          </a:p>
+          <a:p>
+            <a:pPr marL="0" marR="0" indent="0" algn="l" defTabSz="914400" rtl="0" eaLnBrk="1" fontAlgn="auto" latinLnBrk="0" hangingPunct="1">
+              <a:lnSpc>
+                <a:spcPct val="100000"/>
+              </a:lnSpc>
+              <a:spcBef>
+                <a:spcPts val="0"/>
+              </a:spcBef>
+              <a:spcAft>
+                <a:spcPts val="0"/>
+              </a:spcAft>
+              <a:buClrTx/>
+              <a:buSzTx/>
+              <a:buFontTx/>
+              <a:buNone/>
+              <a:tabLst/>
+              <a:defRPr/>
+            </a:pPr>
+            <a:r>
+              <a:rPr lang="en-US" dirty="0" smtClean="0"/>
+              <a:t>	Rainfall 1-d, 3-d, 7-d, 1-m, 3-m</a:t>
+            </a:r>
+          </a:p>
+          <a:p>
+            <a:r>
+              <a:rPr lang="en-US" dirty="0" smtClean="0"/>
+              <a:t>	Average</a:t>
+            </a:r>
+            <a:r>
+              <a:rPr lang="en-US" baseline="0" dirty="0" smtClean="0"/>
+              <a:t> </a:t>
+            </a:r>
+            <a:r>
+              <a:rPr lang="en-US" dirty="0" smtClean="0"/>
+              <a:t>Temp,</a:t>
+            </a:r>
+            <a:r>
+              <a:rPr lang="en-US" baseline="0" dirty="0" smtClean="0"/>
+              <a:t> Min/Max temp</a:t>
+            </a:r>
+          </a:p>
+          <a:p>
+            <a:r>
+              <a:rPr lang="en-US" baseline="0" dirty="0" smtClean="0"/>
+              <a:t>	SST, Wind strength/bearing</a:t>
+            </a:r>
+          </a:p>
+          <a:p>
+            <a:endParaRPr lang="en-US" dirty="0" smtClean="0"/>
+          </a:p>
+          <a:p>
+            <a:r>
+              <a:rPr lang="en-US" dirty="0" smtClean="0"/>
+              <a:t>Drought Index, Vegetation</a:t>
+            </a:r>
+            <a:r>
+              <a:rPr lang="en-US" baseline="0" dirty="0" smtClean="0"/>
+              <a:t> Heath Index, NDVI</a:t>
+            </a:r>
+            <a:r>
+              <a:rPr lang="is-IS" baseline="0" dirty="0" smtClean="0"/>
+              <a:t>…</a:t>
+            </a:r>
+            <a:endParaRPr lang="en-US" dirty="0" smtClean="0"/>
+          </a:p>
+          <a:p>
+            <a:r>
+              <a:rPr lang="en-US" dirty="0" smtClean="0"/>
+              <a:t>Hazards:</a:t>
+            </a:r>
+          </a:p>
+          <a:p>
+            <a:r>
+              <a:rPr lang="en-US" dirty="0" smtClean="0"/>
+              <a:t>	Landslide/Flood</a:t>
+            </a:r>
+            <a:r>
+              <a:rPr lang="en-US" baseline="0" dirty="0" smtClean="0"/>
+              <a:t> </a:t>
+            </a:r>
+            <a:r>
+              <a:rPr lang="en-US" baseline="0" dirty="0" err="1" smtClean="0"/>
+              <a:t>nowcast</a:t>
+            </a:r>
+            <a:endParaRPr lang="en-US" baseline="0" dirty="0" smtClean="0"/>
+          </a:p>
+          <a:p>
+            <a:r>
+              <a:rPr lang="en-US" baseline="0" dirty="0" smtClean="0"/>
+              <a:t>	Quakes, Active Fires, Burned areas, Flood maps</a:t>
+            </a:r>
+            <a:endParaRPr lang="en-US" dirty="0"/>
+          </a:p>
+        </p:txBody>
+      </p:sp>
+      <p:sp>
+        <p:nvSpPr>
+          <p:cNvPr id="4" name="Slide Number Placeholder 3"/>
+          <p:cNvSpPr>
+            <a:spLocks noGrp="1"/>
+          </p:cNvSpPr>
+          <p:nvPr>
+            <p:ph type="sldNum" sz="quarter" idx="10"/>
+          </p:nvPr>
+        </p:nvSpPr>
+        <p:spPr/>
+        <p:txBody>
+          <a:bodyPr/>
+          <a:lstStyle/>
+          <a:p>
+            <a:fld id="{F7F5E403-2BC3-6B4A-B479-B25EDEA9B575}" type="slidenum">
+              <a:rPr lang="en-US" smtClean="0"/>
+              <a:t>21</a:t>
+            </a:fld>
+            <a:endParaRPr lang="en-US"/>
+          </a:p>
+        </p:txBody>
+      </p:sp>
+    </p:spTree>
+    <p:extLst>
+      <p:ext uri="{BB962C8B-B14F-4D97-AF65-F5344CB8AC3E}">
+        <p14:creationId xmlns:p14="http://schemas.microsoft.com/office/powerpoint/2010/main" val="618988170"/>
+      </p:ext>
+    </p:extLst>
+  </p:cSld>
+  <p:clrMapOvr>
+    <a:masterClrMapping/>
+  </p:clrMapOvr>
+</p:notes>
+</file>
+
 <file path=ppt/slideLayouts/slideLayout1.xml><?xml version="1.0" encoding="utf-8"?>
 <p:sldLayout xmlns:a="http://schemas.openxmlformats.org/drawingml/2006/main" xmlns:r="http://schemas.openxmlformats.org/officeDocument/2006/relationships" xmlns:p="http://schemas.openxmlformats.org/presentationml/2006/main" type="title" preserve="1">
   <p:cSld name="Title Slide">
@@ -952,7 +1184,7 @@
           <a:p>
             <a:fld id="{2DBD2FC0-26C0-8B45-BC00-59DC2F9C0320}" type="datetimeFigureOut">
               <a:rPr lang="en-US" smtClean="0"/>
-              <a:t>4/27/16</a:t>
+              <a:t>4/28/16</a:t>
             </a:fld>
             <a:endParaRPr lang="en-US"/>
           </a:p>
@@ -1238,7 +1470,7 @@
           <a:p>
             <a:fld id="{2DBD2FC0-26C0-8B45-BC00-59DC2F9C0320}" type="datetimeFigureOut">
               <a:rPr lang="en-US" smtClean="0"/>
-              <a:t>4/27/16</a:t>
+              <a:t>4/28/16</a:t>
             </a:fld>
             <a:endParaRPr lang="en-US"/>
           </a:p>
@@ -1660,7 +1892,7 @@
           <a:p>
             <a:fld id="{2DBD2FC0-26C0-8B45-BC00-59DC2F9C0320}" type="datetimeFigureOut">
               <a:rPr lang="en-US" smtClean="0"/>
-              <a:t>4/27/16</a:t>
+              <a:t>4/28/16</a:t>
             </a:fld>
             <a:endParaRPr lang="en-US"/>
           </a:p>
@@ -2077,7 +2309,7 @@
           <a:p>
             <a:fld id="{2DBD2FC0-26C0-8B45-BC00-59DC2F9C0320}" type="datetimeFigureOut">
               <a:rPr lang="en-US" smtClean="0"/>
-              <a:t>4/27/16</a:t>
+              <a:t>4/28/16</a:t>
             </a:fld>
             <a:endParaRPr lang="en-US"/>
           </a:p>
@@ -2210,7 +2442,7 @@
           <a:p>
             <a:fld id="{2DBD2FC0-26C0-8B45-BC00-59DC2F9C0320}" type="datetimeFigureOut">
               <a:rPr lang="en-US" smtClean="0"/>
-              <a:t>4/27/16</a:t>
+              <a:t>4/28/16</a:t>
             </a:fld>
             <a:endParaRPr lang="en-US"/>
           </a:p>
@@ -2532,7 +2764,7 @@
           <a:p>
             <a:fld id="{2DBD2FC0-26C0-8B45-BC00-59DC2F9C0320}" type="datetimeFigureOut">
               <a:rPr lang="en-US" smtClean="0"/>
-              <a:t>4/27/16</a:t>
+              <a:t>4/28/16</a:t>
             </a:fld>
             <a:endParaRPr lang="en-US"/>
           </a:p>
@@ -2776,7 +3008,7 @@
           <a:p>
             <a:fld id="{2DBD2FC0-26C0-8B45-BC00-59DC2F9C0320}" type="datetimeFigureOut">
               <a:rPr lang="en-US" smtClean="0"/>
-              <a:t>4/27/16</a:t>
+              <a:t>4/28/16</a:t>
             </a:fld>
             <a:endParaRPr lang="en-US"/>
           </a:p>
@@ -3114,7 +3346,7 @@
           <a:p>
             <a:fld id="{2DBD2FC0-26C0-8B45-BC00-59DC2F9C0320}" type="datetimeFigureOut">
               <a:rPr lang="en-US" smtClean="0"/>
-              <a:t>4/27/16</a:t>
+              <a:t>4/28/16</a:t>
             </a:fld>
             <a:endParaRPr lang="en-US"/>
           </a:p>
@@ -3414,7 +3646,7 @@
           <a:p>
             <a:fld id="{2DBD2FC0-26C0-8B45-BC00-59DC2F9C0320}" type="datetimeFigureOut">
               <a:rPr lang="en-US" smtClean="0"/>
-              <a:t>4/27/16</a:t>
+              <a:t>4/28/16</a:t>
             </a:fld>
             <a:endParaRPr lang="en-US"/>
           </a:p>
@@ -3821,7 +4053,7 @@
           <a:p>
             <a:fld id="{2DBD2FC0-26C0-8B45-BC00-59DC2F9C0320}" type="datetimeFigureOut">
               <a:rPr lang="en-US" smtClean="0"/>
-              <a:t>4/27/16</a:t>
+              <a:t>4/28/16</a:t>
             </a:fld>
             <a:endParaRPr lang="en-US"/>
           </a:p>
@@ -4043,7 +4275,7 @@
           <a:p>
             <a:fld id="{2DBD2FC0-26C0-8B45-BC00-59DC2F9C0320}" type="datetimeFigureOut">
               <a:rPr lang="en-US" smtClean="0"/>
-              <a:t>4/27/16</a:t>
+              <a:t>4/28/16</a:t>
             </a:fld>
             <a:endParaRPr lang="en-US"/>
           </a:p>
@@ -4260,7 +4492,7 @@
           <a:p>
             <a:fld id="{2DBD2FC0-26C0-8B45-BC00-59DC2F9C0320}" type="datetimeFigureOut">
               <a:rPr lang="en-US" smtClean="0"/>
-              <a:t>4/27/16</a:t>
+              <a:t>4/28/16</a:t>
             </a:fld>
             <a:endParaRPr lang="en-US"/>
           </a:p>
@@ -4565,7 +4797,7 @@
           <a:p>
             <a:fld id="{2DBD2FC0-26C0-8B45-BC00-59DC2F9C0320}" type="datetimeFigureOut">
               <a:rPr lang="en-US" smtClean="0"/>
-              <a:t>4/27/16</a:t>
+              <a:t>4/28/16</a:t>
             </a:fld>
             <a:endParaRPr lang="en-US"/>
           </a:p>
@@ -4892,7 +5124,7 @@
           <a:p>
             <a:fld id="{2DBD2FC0-26C0-8B45-BC00-59DC2F9C0320}" type="datetimeFigureOut">
               <a:rPr lang="en-US" smtClean="0"/>
-              <a:t>4/27/16</a:t>
+              <a:t>4/28/16</a:t>
             </a:fld>
             <a:endParaRPr lang="en-US"/>
           </a:p>
@@ -5227,7 +5459,7 @@
           <a:p>
             <a:fld id="{2DBD2FC0-26C0-8B45-BC00-59DC2F9C0320}" type="datetimeFigureOut">
               <a:rPr lang="en-US" smtClean="0"/>
-              <a:t>4/27/16</a:t>
+              <a:t>4/28/16</a:t>
             </a:fld>
             <a:endParaRPr lang="en-US"/>
           </a:p>
@@ -5850,7 +6082,7 @@
           <a:p>
             <a:fld id="{2DBD2FC0-26C0-8B45-BC00-59DC2F9C0320}" type="datetimeFigureOut">
               <a:rPr lang="en-US" smtClean="0"/>
-              <a:t>4/27/16</a:t>
+              <a:t>4/28/16</a:t>
             </a:fld>
             <a:endParaRPr lang="en-US"/>
           </a:p>
@@ -6337,7 +6569,7 @@
           <a:p>
             <a:fld id="{2DBD2FC0-26C0-8B45-BC00-59DC2F9C0320}" type="datetimeFigureOut">
               <a:rPr lang="en-US" smtClean="0"/>
-              <a:t>4/27/16</a:t>
+              <a:t>4/28/16</a:t>
             </a:fld>
             <a:endParaRPr lang="en-US"/>
           </a:p>
@@ -6585,7 +6817,7 @@
           <a:p>
             <a:fld id="{2DBD2FC0-26C0-8B45-BC00-59DC2F9C0320}" type="datetimeFigureOut">
               <a:rPr lang="en-US" smtClean="0"/>
-              <a:t>4/27/16</a:t>
+              <a:t>4/28/16</a:t>
             </a:fld>
             <a:endParaRPr lang="en-US"/>
           </a:p>
@@ -6881,7 +7113,7 @@
           <a:p>
             <a:fld id="{2DBD2FC0-26C0-8B45-BC00-59DC2F9C0320}" type="datetimeFigureOut">
               <a:rPr lang="en-US" smtClean="0"/>
-              <a:t>4/27/16</a:t>
+              <a:t>4/28/16</a:t>
             </a:fld>
             <a:endParaRPr lang="en-US"/>
           </a:p>
@@ -18647,11 +18879,7 @@
           <a:p>
             <a:r>
               <a:rPr lang="en-US" dirty="0" smtClean="0"/>
-              <a:t>Generating </a:t>
-            </a:r>
-            <a:r>
-              <a:rPr lang="en-US" dirty="0" smtClean="0"/>
-              <a:t>10 Products</a:t>
+              <a:t>Generating 10 Products</a:t>
             </a:r>
             <a:endParaRPr lang="en-US" dirty="0"/>
           </a:p>
@@ -20407,40 +20635,46 @@
             </a:r>
             <a:r>
               <a:rPr lang="en-US" dirty="0" smtClean="0"/>
-              <a:t> clone  </a:t>
+              <a:t> clone </a:t>
+            </a:r>
+            <a:r>
+              <a:rPr lang="en-US" dirty="0" err="1"/>
+              <a:t>git@github.com:vightel</a:t>
+            </a:r>
+            <a:r>
+              <a:rPr lang="en-US" dirty="0"/>
+              <a:t>/</a:t>
+            </a:r>
+            <a:r>
+              <a:rPr lang="en-US"/>
+              <a:t>ojo-consumer.git</a:t>
+            </a:r>
+            <a:endParaRPr lang="en-US" dirty="0" smtClean="0"/>
+          </a:p>
+          <a:p>
+            <a:pPr lvl="1"/>
+            <a:r>
+              <a:rPr lang="en-US" dirty="0" smtClean="0"/>
+              <a:t>Follow directions in README</a:t>
+            </a:r>
+            <a:endParaRPr lang="en-US" dirty="0"/>
+          </a:p>
+          <a:p>
+            <a:pPr lvl="1"/>
+            <a:r>
+              <a:rPr lang="en-US" dirty="0" smtClean="0"/>
+              <a:t>Connect to your Publisher OpenSearch Endpoint</a:t>
+            </a:r>
+          </a:p>
+          <a:p>
+            <a:pPr lvl="2"/>
+            <a:r>
+              <a:rPr lang="en-US" dirty="0" smtClean="0"/>
+              <a:t>or </a:t>
             </a:r>
             <a:r>
               <a:rPr lang="en-US" dirty="0" smtClean="0">
                 <a:hlinkClick r:id="rId2"/>
-              </a:rPr>
-              <a:t>https://github.com:vightel/ojo-consumer.git</a:t>
-            </a:r>
-            <a:endParaRPr lang="en-US" dirty="0" smtClean="0"/>
-          </a:p>
-          <a:p>
-            <a:pPr lvl="1"/>
-            <a:r>
-              <a:rPr lang="en-US" dirty="0" smtClean="0"/>
-              <a:t>Follow directions in README</a:t>
-            </a:r>
-            <a:endParaRPr lang="en-US" dirty="0"/>
-          </a:p>
-          <a:p>
-            <a:pPr lvl="1"/>
-            <a:r>
-              <a:rPr lang="en-US" dirty="0" smtClean="0"/>
-              <a:t>Connect to your Publisher OpenSearch Endpoint</a:t>
-            </a:r>
-          </a:p>
-          <a:p>
-            <a:pPr lvl="2"/>
-            <a:r>
-              <a:rPr lang="en-US" dirty="0" smtClean="0"/>
-              <a:t>or </a:t>
-            </a:r>
-            <a:r>
-              <a:rPr lang="en-US" dirty="0" smtClean="0">
-                <a:hlinkClick r:id="rId3"/>
               </a:rPr>
               <a:t>http://ojo-bot.herokuapp.com/opensearch</a:t>
             </a:r>
@@ -21162,16 +21396,8 @@
               <a:t>publis</a:t>
             </a:r>
             <a:r>
-              <a:rPr lang="en-US" dirty="0" smtClean="0"/>
-              <a:t>/</a:t>
-            </a:r>
-            <a:r>
-              <a:rPr lang="en-US" dirty="0" err="1" smtClean="0"/>
-              <a:t>sqagger</a:t>
-            </a:r>
-            <a:r>
-              <a:rPr lang="en-US" dirty="0" smtClean="0"/>
-              <a:t>/</a:t>
+              <a:rPr lang="en-US" smtClean="0"/>
+              <a:t>/swagger/</a:t>
             </a:r>
             <a:r>
               <a:rPr lang="en-US" dirty="0" err="1" smtClean="0"/>
@@ -21547,8 +21773,22 @@
         </p:nvSpPr>
         <p:spPr/>
         <p:txBody>
-          <a:bodyPr/>
-          <a:lstStyle/>
+          <a:bodyPr>
+            <a:normAutofit lnSpcReduction="10000"/>
+          </a:bodyPr>
+          <a:lstStyle/>
+          <a:p>
+            <a:r>
+              <a:rPr lang="en-US" b="1" dirty="0" smtClean="0"/>
+              <a:t>Create new rack using console</a:t>
+            </a:r>
+          </a:p>
+          <a:p>
+            <a:r>
+              <a:rPr lang="en-US" b="1" dirty="0" smtClean="0"/>
+              <a:t>Get you API Key (Account CLI Access)</a:t>
+            </a:r>
+          </a:p>
           <a:p>
             <a:r>
               <a:rPr lang="en-US" b="1" dirty="0" smtClean="0"/>
@@ -21574,6 +21814,13 @@
               <a:t>console.convox.com</a:t>
             </a:r>
             <a:endParaRPr lang="en-US" dirty="0" smtClean="0"/>
+          </a:p>
+          <a:p>
+            <a:pPr lvl="1"/>
+            <a:r>
+              <a:rPr lang="en-US" dirty="0" smtClean="0"/>
+              <a:t>Password: &lt;API Key&gt;</a:t>
+            </a:r>
           </a:p>
           <a:p>
             <a:r>
@@ -21760,7 +22007,15 @@
             </a:r>
             <a:r>
               <a:rPr lang="en-US" dirty="0"/>
-              <a:t>rack scale --type=m4.xlarge --</a:t>
+              <a:t>rack scale --</a:t>
+            </a:r>
+            <a:r>
+              <a:rPr lang="en-US" dirty="0" smtClean="0"/>
+              <a:t>type=m3.large </a:t>
+            </a:r>
+            <a:r>
+              <a:rPr lang="en-US" dirty="0"/>
+              <a:t>--</a:t>
             </a:r>
             <a:r>
               <a:rPr lang="en-US" dirty="0" smtClean="0"/>
